--- a/LIVRABLE_2/Projet BDD_PowerPoint.pptx
+++ b/LIVRABLE_2/Projet BDD_PowerPoint.pptx
@@ -5388,8 +5388,8 @@
         </p:nvSpPr>
         <p:spPr>
           <a:xfrm>
-            <a:off x="438912" y="2512611"/>
-            <a:ext cx="4832803" cy="3664351"/>
+            <a:off x="438912" y="2285293"/>
+            <a:ext cx="4832803" cy="3891670"/>
           </a:xfrm>
         </p:spPr>
         <p:txBody>
@@ -5471,7 +5471,7 @@
         </p:blipFill>
         <p:spPr>
           <a:xfrm>
-            <a:off x="668017" y="3602178"/>
+            <a:off x="514906" y="3209678"/>
             <a:ext cx="4374592" cy="2034716"/>
           </a:xfrm>
           <a:prstGeom prst="rect">
@@ -5515,6 +5515,248 @@
           </a:prstGeom>
         </p:spPr>
       </p:pic>
+      <p:sp>
+        <p:nvSpPr>
+          <p:cNvPr id="5" name="ZoneTexte 4">
+            <a:extLst>
+              <a:ext uri="{FF2B5EF4-FFF2-40B4-BE49-F238E27FC236}">
+                <a16:creationId xmlns:a16="http://schemas.microsoft.com/office/drawing/2014/main" id="{D3E93171-EF86-47DA-8E83-AA485C462EC4}"/>
+              </a:ext>
+            </a:extLst>
+          </p:cNvPr>
+          <p:cNvSpPr txBox="1"/>
+          <p:nvPr/>
+        </p:nvSpPr>
+        <p:spPr>
+          <a:xfrm>
+            <a:off x="287658" y="5490234"/>
+            <a:ext cx="4984057" cy="1537344"/>
+          </a:xfrm>
+          <a:prstGeom prst="rect">
+            <a:avLst/>
+          </a:prstGeom>
+          <a:noFill/>
+        </p:spPr>
+        <p:txBody>
+          <a:bodyPr wrap="none" rtlCol="0">
+            <a:spAutoFit/>
+          </a:bodyPr>
+          <a:lstStyle/>
+          <a:p>
+            <a:pPr>
+              <a:lnSpc>
+                <a:spcPct val="115000"/>
+              </a:lnSpc>
+            </a:pPr>
+            <a:r>
+              <a:rPr lang="fr-FR" sz="1100" b="1" u="sng" dirty="0">
+                <a:solidFill>
+                  <a:srgbClr val="FF0000"/>
+                </a:solidFill>
+                <a:effectLst/>
+                <a:latin typeface="Arial" panose="020B0604020202020204" pitchFamily="34" charset="0"/>
+                <a:ea typeface="Arial" panose="020B0604020202020204" pitchFamily="34" charset="0"/>
+              </a:rPr>
+              <a:t>Note :</a:t>
+            </a:r>
+            <a:endParaRPr lang="fr-FR" sz="1100" dirty="0">
+              <a:effectLst/>
+              <a:latin typeface="Arial" panose="020B0604020202020204" pitchFamily="34" charset="0"/>
+              <a:ea typeface="Arial" panose="020B0604020202020204" pitchFamily="34" charset="0"/>
+            </a:endParaRPr>
+          </a:p>
+          <a:p>
+            <a:pPr>
+              <a:lnSpc>
+                <a:spcPct val="115000"/>
+              </a:lnSpc>
+            </a:pPr>
+            <a:r>
+              <a:rPr lang="fr-FR" sz="1100" b="1" u="none" strike="noStrike" dirty="0">
+                <a:solidFill>
+                  <a:srgbClr val="FF0000"/>
+                </a:solidFill>
+                <a:effectLst/>
+                <a:latin typeface="Arial" panose="020B0604020202020204" pitchFamily="34" charset="0"/>
+                <a:ea typeface="Arial" panose="020B0604020202020204" pitchFamily="34" charset="0"/>
+              </a:rPr>
+              <a:t> </a:t>
+            </a:r>
+            <a:endParaRPr lang="fr-FR" sz="1100" dirty="0">
+              <a:effectLst/>
+              <a:latin typeface="Arial" panose="020B0604020202020204" pitchFamily="34" charset="0"/>
+              <a:ea typeface="Arial" panose="020B0604020202020204" pitchFamily="34" charset="0"/>
+            </a:endParaRPr>
+          </a:p>
+          <a:p>
+            <a:pPr>
+              <a:lnSpc>
+                <a:spcPct val="115000"/>
+              </a:lnSpc>
+            </a:pPr>
+            <a:r>
+              <a:rPr lang="fr-FR" sz="1100" b="1" dirty="0">
+                <a:effectLst/>
+                <a:latin typeface="Arial" panose="020B0604020202020204" pitchFamily="34" charset="0"/>
+                <a:ea typeface="Arial" panose="020B0604020202020204" pitchFamily="34" charset="0"/>
+              </a:rPr>
+              <a:t> *ISBN</a:t>
+            </a:r>
+            <a:r>
+              <a:rPr lang="fr-FR" sz="1100" dirty="0">
+                <a:effectLst/>
+                <a:latin typeface="Arial" panose="020B0604020202020204" pitchFamily="34" charset="0"/>
+                <a:ea typeface="Arial" panose="020B0604020202020204" pitchFamily="34" charset="0"/>
+              </a:rPr>
+              <a:t> : International standard book </a:t>
+            </a:r>
+            <a:r>
+              <a:rPr lang="fr-FR" sz="1100" dirty="0" err="1">
+                <a:effectLst/>
+                <a:latin typeface="Arial" panose="020B0604020202020204" pitchFamily="34" charset="0"/>
+                <a:ea typeface="Arial" panose="020B0604020202020204" pitchFamily="34" charset="0"/>
+              </a:rPr>
+              <a:t>number</a:t>
+            </a:r>
+            <a:r>
+              <a:rPr lang="fr-FR" sz="1100" dirty="0">
+                <a:effectLst/>
+                <a:latin typeface="Arial" panose="020B0604020202020204" pitchFamily="34" charset="0"/>
+                <a:ea typeface="Arial" panose="020B0604020202020204" pitchFamily="34" charset="0"/>
+              </a:rPr>
+              <a:t> (numéro international normalisé)</a:t>
+            </a:r>
+          </a:p>
+          <a:p>
+            <a:pPr>
+              <a:lnSpc>
+                <a:spcPct val="115000"/>
+              </a:lnSpc>
+            </a:pPr>
+            <a:r>
+              <a:rPr lang="fr-FR" sz="1100" dirty="0">
+                <a:effectLst/>
+                <a:latin typeface="Arial" panose="020B0604020202020204" pitchFamily="34" charset="0"/>
+                <a:ea typeface="Arial" panose="020B0604020202020204" pitchFamily="34" charset="0"/>
+              </a:rPr>
+              <a:t> </a:t>
+            </a:r>
+            <a:r>
+              <a:rPr lang="fr-FR" sz="1100" b="1" dirty="0">
+                <a:effectLst/>
+                <a:latin typeface="Arial" panose="020B0604020202020204" pitchFamily="34" charset="0"/>
+                <a:ea typeface="Arial" panose="020B0604020202020204" pitchFamily="34" charset="0"/>
+              </a:rPr>
+              <a:t>*</a:t>
+            </a:r>
+            <a:r>
+              <a:rPr lang="fr-FR" sz="1100" b="1" dirty="0" err="1">
+                <a:effectLst/>
+                <a:latin typeface="Arial" panose="020B0604020202020204" pitchFamily="34" charset="0"/>
+                <a:ea typeface="Arial" panose="020B0604020202020204" pitchFamily="34" charset="0"/>
+              </a:rPr>
+              <a:t>DateOUT</a:t>
+            </a:r>
+            <a:r>
+              <a:rPr lang="fr-FR" sz="1100" dirty="0">
+                <a:effectLst/>
+                <a:latin typeface="Arial" panose="020B0604020202020204" pitchFamily="34" charset="0"/>
+                <a:ea typeface="Arial" panose="020B0604020202020204" pitchFamily="34" charset="0"/>
+              </a:rPr>
+              <a:t> : date à laquelle on emprunte le livre</a:t>
+            </a:r>
+          </a:p>
+          <a:p>
+            <a:pPr>
+              <a:lnSpc>
+                <a:spcPct val="115000"/>
+              </a:lnSpc>
+            </a:pPr>
+            <a:r>
+              <a:rPr lang="fr-FR" sz="1100" dirty="0">
+                <a:effectLst/>
+                <a:latin typeface="Arial" panose="020B0604020202020204" pitchFamily="34" charset="0"/>
+                <a:ea typeface="Arial" panose="020B0604020202020204" pitchFamily="34" charset="0"/>
+              </a:rPr>
+              <a:t> </a:t>
+            </a:r>
+            <a:r>
+              <a:rPr lang="fr-FR" sz="1100" b="1" dirty="0">
+                <a:effectLst/>
+                <a:latin typeface="Arial" panose="020B0604020202020204" pitchFamily="34" charset="0"/>
+                <a:ea typeface="Arial" panose="020B0604020202020204" pitchFamily="34" charset="0"/>
+              </a:rPr>
+              <a:t>*</a:t>
+            </a:r>
+            <a:r>
+              <a:rPr lang="fr-FR" sz="1100" b="1" dirty="0" err="1">
+                <a:effectLst/>
+                <a:latin typeface="Arial" panose="020B0604020202020204" pitchFamily="34" charset="0"/>
+                <a:ea typeface="Arial" panose="020B0604020202020204" pitchFamily="34" charset="0"/>
+              </a:rPr>
+              <a:t>DateIN</a:t>
+            </a:r>
+            <a:r>
+              <a:rPr lang="fr-FR" sz="1100" b="1" dirty="0">
+                <a:effectLst/>
+                <a:latin typeface="Arial" panose="020B0604020202020204" pitchFamily="34" charset="0"/>
+                <a:ea typeface="Arial" panose="020B0604020202020204" pitchFamily="34" charset="0"/>
+              </a:rPr>
+              <a:t> </a:t>
+            </a:r>
+            <a:r>
+              <a:rPr lang="fr-FR" sz="1100" dirty="0">
+                <a:effectLst/>
+                <a:latin typeface="Arial" panose="020B0604020202020204" pitchFamily="34" charset="0"/>
+                <a:ea typeface="Arial" panose="020B0604020202020204" pitchFamily="34" charset="0"/>
+              </a:rPr>
+              <a:t>: date à laquelle on rend le livre</a:t>
+            </a:r>
+          </a:p>
+          <a:p>
+            <a:pPr>
+              <a:lnSpc>
+                <a:spcPct val="115000"/>
+              </a:lnSpc>
+            </a:pPr>
+            <a:r>
+              <a:rPr lang="fr-FR" sz="1100" dirty="0">
+                <a:effectLst/>
+                <a:latin typeface="Arial" panose="020B0604020202020204" pitchFamily="34" charset="0"/>
+                <a:ea typeface="Arial" panose="020B0604020202020204" pitchFamily="34" charset="0"/>
+              </a:rPr>
+              <a:t> </a:t>
+            </a:r>
+            <a:r>
+              <a:rPr lang="fr-FR" sz="1100" b="1" dirty="0">
+                <a:effectLst/>
+                <a:latin typeface="Arial" panose="020B0604020202020204" pitchFamily="34" charset="0"/>
+                <a:ea typeface="Arial" panose="020B0604020202020204" pitchFamily="34" charset="0"/>
+              </a:rPr>
+              <a:t>*</a:t>
+            </a:r>
+            <a:r>
+              <a:rPr lang="fr-FR" sz="1100" b="1" dirty="0" err="1">
+                <a:effectLst/>
+                <a:latin typeface="Arial" panose="020B0604020202020204" pitchFamily="34" charset="0"/>
+                <a:ea typeface="Arial" panose="020B0604020202020204" pitchFamily="34" charset="0"/>
+              </a:rPr>
+              <a:t>DateCom</a:t>
+            </a:r>
+            <a:r>
+              <a:rPr lang="fr-FR" sz="1100" dirty="0">
+                <a:effectLst/>
+                <a:latin typeface="Arial" panose="020B0604020202020204" pitchFamily="34" charset="0"/>
+                <a:ea typeface="Arial" panose="020B0604020202020204" pitchFamily="34" charset="0"/>
+              </a:rPr>
+              <a:t> : date de commande </a:t>
+            </a:r>
+          </a:p>
+          <a:p>
+            <a:endParaRPr lang="fr-FR" dirty="0"/>
+          </a:p>
+        </p:txBody>
+      </p:sp>
     </p:spTree>
     <p:extLst>
       <p:ext uri="{BB962C8B-B14F-4D97-AF65-F5344CB8AC3E}">
